--- a/java.pptx
+++ b/java.pptx
@@ -104,6 +104,11 @@
       </a:defRPr>
     </a:lvl9pPr>
   </p:defaultTextStyle>
+  <p:extLst>
+    <p:ext uri="{EFAFB233-063F-42B5-8137-9DF3F51BA10A}">
+      <p15:sldGuideLst xmlns:p15="http://schemas.microsoft.com/office/powerpoint/2012/main"/>
+    </p:ext>
+  </p:extLst>
 </p:presentation>
 </file>
 
@@ -2987,8 +2992,20 @@
           <a:lstStyle/>
           <a:p>
             <a:r>
+              <a:rPr lang="en-US" altLang="ko-KR" sz="3600" dirty="0" err="1" smtClean="0"/>
+              <a:t>Git</a:t>
+            </a:r>
+            <a:r>
+              <a:rPr lang="en-US" altLang="ko-KR" sz="3600" dirty="0" err="1" smtClean="0"/>
+              <a:t>hub</a:t>
+            </a:r>
+            <a:r>
               <a:rPr lang="en-US" altLang="ko-KR" sz="3600" dirty="0" smtClean="0"/>
-              <a:t>java</a:t>
+              <a:t> </a:t>
+            </a:r>
+            <a:r>
+              <a:rPr lang="ko-KR" altLang="en-US" sz="3600" dirty="0" err="1" smtClean="0"/>
+              <a:t>저장방법</a:t>
             </a:r>
             <a:endParaRPr lang="ko-KR" altLang="en-US" sz="3600" dirty="0"/>
           </a:p>
@@ -3017,7 +3034,155 @@
           <a:lstStyle/>
           <a:p>
             <a:pPr algn="l"/>
-            <a:endParaRPr lang="ko-KR" altLang="en-US" sz="1400" dirty="0"/>
+            <a:r>
+              <a:rPr lang="ko-KR" altLang="en-US" sz="1400" dirty="0" smtClean="0"/>
+              <a:t>폴더 </a:t>
+            </a:r>
+            <a:endParaRPr lang="en-US" altLang="ko-KR" sz="1400" dirty="0" smtClean="0"/>
+          </a:p>
+          <a:p>
+            <a:pPr algn="l"/>
+            <a:r>
+              <a:rPr lang="en-US" altLang="ko-KR" sz="1400" dirty="0" err="1" smtClean="0"/>
+              <a:t>Git</a:t>
+            </a:r>
+            <a:r>
+              <a:rPr lang="en-US" altLang="ko-KR" sz="1400" dirty="0" smtClean="0"/>
+              <a:t> bash </a:t>
+            </a:r>
+            <a:r>
+              <a:rPr lang="ko-KR" altLang="en-US" sz="1400" dirty="0" smtClean="0"/>
+              <a:t>실행</a:t>
+            </a:r>
+            <a:endParaRPr lang="en-US" altLang="ko-KR" sz="1400" dirty="0" smtClean="0"/>
+          </a:p>
+          <a:p>
+            <a:pPr algn="l"/>
+            <a:r>
+              <a:rPr lang="en-US" altLang="ko-KR" sz="1400" dirty="0" err="1" smtClean="0"/>
+              <a:t>Git</a:t>
+            </a:r>
+            <a:r>
+              <a:rPr lang="en-US" altLang="ko-KR" sz="1400" dirty="0" smtClean="0"/>
+              <a:t> pull origin master</a:t>
+            </a:r>
+            <a:r>
+              <a:rPr lang="ko-KR" altLang="en-US" sz="1400" dirty="0"/>
+              <a:t> </a:t>
+            </a:r>
+            <a:r>
+              <a:rPr lang="en-US" altLang="ko-KR" sz="1400" dirty="0" smtClean="0"/>
+              <a:t>(</a:t>
+            </a:r>
+            <a:r>
+              <a:rPr lang="ko-KR" altLang="en-US" sz="1400" dirty="0" err="1" smtClean="0"/>
+              <a:t>깃허브에서</a:t>
+            </a:r>
+            <a:r>
+              <a:rPr lang="ko-KR" altLang="en-US" sz="1400" dirty="0" smtClean="0"/>
+              <a:t> 가져오기</a:t>
+            </a:r>
+            <a:r>
+              <a:rPr lang="en-US" altLang="ko-KR" sz="1400" dirty="0" smtClean="0"/>
+              <a:t>)</a:t>
+            </a:r>
+          </a:p>
+          <a:p>
+            <a:pPr algn="l"/>
+            <a:r>
+              <a:rPr lang="en-US" altLang="ko-KR" sz="1400" dirty="0" err="1" smtClean="0"/>
+              <a:t>Git</a:t>
+            </a:r>
+            <a:r>
+              <a:rPr lang="en-US" altLang="ko-KR" sz="1400" dirty="0" smtClean="0"/>
+              <a:t> add .                  (</a:t>
+            </a:r>
+            <a:r>
+              <a:rPr lang="ko-KR" altLang="en-US" sz="1400" dirty="0" smtClean="0"/>
+              <a:t>변경사항을 모두 후보에 등록</a:t>
+            </a:r>
+            <a:r>
+              <a:rPr lang="en-US" altLang="ko-KR" sz="1400" dirty="0" smtClean="0"/>
+              <a:t>)</a:t>
+            </a:r>
+          </a:p>
+          <a:p>
+            <a:pPr algn="l"/>
+            <a:r>
+              <a:rPr lang="en-US" altLang="ko-KR" sz="1400" dirty="0" err="1" smtClean="0"/>
+              <a:t>Git</a:t>
+            </a:r>
+            <a:r>
+              <a:rPr lang="en-US" altLang="ko-KR" sz="1400" dirty="0" smtClean="0"/>
+              <a:t> commit –m “</a:t>
+            </a:r>
+            <a:r>
+              <a:rPr lang="ko-KR" altLang="en-US" sz="1400" dirty="0" err="1" smtClean="0"/>
+              <a:t>메모기입</a:t>
+            </a:r>
+            <a:r>
+              <a:rPr lang="en-US" altLang="ko-KR" sz="1400" dirty="0" smtClean="0"/>
+              <a:t>”      (</a:t>
+            </a:r>
+            <a:r>
+              <a:rPr lang="ko-KR" altLang="en-US" sz="1400" dirty="0" smtClean="0"/>
+              <a:t>후보를 </a:t>
+            </a:r>
+            <a:r>
+              <a:rPr lang="en-US" altLang="ko-KR" sz="1400" dirty="0" smtClean="0"/>
+              <a:t>.</a:t>
+            </a:r>
+            <a:r>
+              <a:rPr lang="en-US" altLang="ko-KR" sz="1400" dirty="0" err="1" smtClean="0"/>
+              <a:t>git</a:t>
+            </a:r>
+            <a:r>
+              <a:rPr lang="en-US" altLang="ko-KR" sz="1400" dirty="0" smtClean="0"/>
+              <a:t> </a:t>
+            </a:r>
+            <a:r>
+              <a:rPr lang="ko-KR" altLang="en-US" sz="1400" dirty="0" smtClean="0"/>
+              <a:t>폴더에 저장</a:t>
+            </a:r>
+            <a:r>
+              <a:rPr lang="en-US" altLang="ko-KR" sz="1400" dirty="0" smtClean="0"/>
+              <a:t>)</a:t>
+            </a:r>
+          </a:p>
+          <a:p>
+            <a:pPr algn="l"/>
+            <a:r>
+              <a:rPr lang="en-US" altLang="ko-KR" sz="1400" dirty="0" err="1" smtClean="0"/>
+              <a:t>Git</a:t>
+            </a:r>
+            <a:r>
+              <a:rPr lang="en-US" altLang="ko-KR" sz="1400" dirty="0" smtClean="0"/>
+              <a:t> push origin master           (.</a:t>
+            </a:r>
+            <a:r>
+              <a:rPr lang="en-US" altLang="ko-KR" sz="1400" dirty="0" err="1" smtClean="0"/>
+              <a:t>git</a:t>
+            </a:r>
+            <a:r>
+              <a:rPr lang="en-US" altLang="ko-KR" sz="1400" dirty="0" smtClean="0"/>
+              <a:t> </a:t>
+            </a:r>
+            <a:r>
+              <a:rPr lang="ko-KR" altLang="en-US" sz="1400" dirty="0" smtClean="0"/>
+              <a:t>내용을 업로드</a:t>
+            </a:r>
+            <a:r>
+              <a:rPr lang="en-US" altLang="ko-KR" sz="1400" smtClean="0"/>
+              <a:t>)</a:t>
+            </a:r>
+          </a:p>
+          <a:p>
+            <a:pPr algn="l"/>
+            <a:endParaRPr lang="en-US" altLang="ko-KR" sz="1400" dirty="0" smtClean="0"/>
+          </a:p>
+          <a:p>
+            <a:pPr algn="l"/>
+            <a:endParaRPr lang="en-US" altLang="ko-KR" sz="1400" dirty="0" smtClean="0"/>
           </a:p>
         </p:txBody>
       </p:sp>

--- a/java.pptx
+++ b/java.pptx
@@ -6,6 +6,7 @@
   </p:sldMasterIdLst>
   <p:sldIdLst>
     <p:sldId id="256" r:id="rId2"/>
+    <p:sldId id="257" r:id="rId3"/>
   </p:sldIdLst>
   <p:sldSz cx="12192000" cy="6858000"/>
   <p:notesSz cx="6858000" cy="9144000"/>
@@ -2993,11 +2994,7 @@
           <a:p>
             <a:r>
               <a:rPr lang="en-US" altLang="ko-KR" sz="3600" dirty="0" err="1" smtClean="0"/>
-              <a:t>Git</a:t>
-            </a:r>
-            <a:r>
-              <a:rPr lang="en-US" altLang="ko-KR" sz="3600" dirty="0" err="1" smtClean="0"/>
-              <a:t>hub</a:t>
+              <a:t>Github</a:t>
             </a:r>
             <a:r>
               <a:rPr lang="en-US" altLang="ko-KR" sz="3600" dirty="0" smtClean="0"/>
@@ -3172,9 +3169,21 @@
               <a:t>내용을 업로드</a:t>
             </a:r>
             <a:r>
-              <a:rPr lang="en-US" altLang="ko-KR" sz="1400" smtClean="0"/>
+              <a:rPr lang="en-US" altLang="ko-KR" sz="1400" dirty="0" smtClean="0"/>
               <a:t>)</a:t>
             </a:r>
+          </a:p>
+          <a:p>
+            <a:pPr algn="l"/>
+            <a:endParaRPr lang="en-US" altLang="ko-KR" sz="1400" dirty="0"/>
+          </a:p>
+          <a:p>
+            <a:pPr algn="l"/>
+            <a:endParaRPr lang="en-US" altLang="ko-KR" sz="1400" dirty="0" smtClean="0"/>
+          </a:p>
+          <a:p>
+            <a:pPr algn="l"/>
+            <a:endParaRPr lang="en-US" altLang="ko-KR" sz="1400" dirty="0" smtClean="0"/>
           </a:p>
           <a:p>
             <a:pPr algn="l"/>
@@ -3190,6 +3199,141 @@
     <p:extLst>
       <p:ext uri="{BB962C8B-B14F-4D97-AF65-F5344CB8AC3E}">
         <p14:creationId xmlns:p14="http://schemas.microsoft.com/office/powerpoint/2010/main" val="2528660915"/>
+      </p:ext>
+    </p:extLst>
+  </p:cSld>
+  <p:clrMapOvr>
+    <a:masterClrMapping/>
+  </p:clrMapOvr>
+</p:sld>
+</file>
+
+<file path=ppt/slides/slide2.xml><?xml version="1.0" encoding="utf-8"?>
+<p:sld xmlns:a="http://schemas.openxmlformats.org/drawingml/2006/main" xmlns:r="http://schemas.openxmlformats.org/officeDocument/2006/relationships" xmlns:p="http://schemas.openxmlformats.org/presentationml/2006/main">
+  <p:cSld>
+    <p:spTree>
+      <p:nvGrpSpPr>
+        <p:cNvPr id="1" name=""/>
+        <p:cNvGrpSpPr/>
+        <p:nvPr/>
+      </p:nvGrpSpPr>
+      <p:grpSpPr>
+        <a:xfrm>
+          <a:off x="0" y="0"/>
+          <a:ext cx="0" cy="0"/>
+          <a:chOff x="0" y="0"/>
+          <a:chExt cx="0" cy="0"/>
+        </a:xfrm>
+      </p:grpSpPr>
+      <p:sp>
+        <p:nvSpPr>
+          <p:cNvPr id="2" name="제목 1"/>
+          <p:cNvSpPr>
+            <a:spLocks noGrp="1"/>
+          </p:cNvSpPr>
+          <p:nvPr>
+            <p:ph type="title"/>
+          </p:nvPr>
+        </p:nvSpPr>
+        <p:spPr>
+          <a:xfrm>
+            <a:off x="511629" y="163287"/>
+            <a:ext cx="10842171" cy="903513"/>
+          </a:xfrm>
+        </p:spPr>
+        <p:txBody>
+          <a:bodyPr>
+            <a:normAutofit/>
+          </a:bodyPr>
+          <a:lstStyle/>
+          <a:p>
+            <a:r>
+              <a:rPr lang="ko-KR" altLang="en-US" sz="3600" dirty="0" err="1" smtClean="0"/>
+              <a:t>컴터</a:t>
+            </a:r>
+            <a:r>
+              <a:rPr lang="ko-KR" altLang="en-US" sz="3600" dirty="0" smtClean="0"/>
+              <a:t> 옮기기</a:t>
+            </a:r>
+            <a:endParaRPr lang="ko-KR" altLang="en-US" sz="3600" dirty="0"/>
+          </a:p>
+        </p:txBody>
+      </p:sp>
+      <p:sp>
+        <p:nvSpPr>
+          <p:cNvPr id="3" name="내용 개체 틀 2"/>
+          <p:cNvSpPr>
+            <a:spLocks noGrp="1"/>
+          </p:cNvSpPr>
+          <p:nvPr>
+            <p:ph idx="1"/>
+          </p:nvPr>
+        </p:nvSpPr>
+        <p:spPr>
+          <a:xfrm>
+            <a:off x="511629" y="1295400"/>
+            <a:ext cx="10842171" cy="4881563"/>
+          </a:xfrm>
+        </p:spPr>
+        <p:txBody>
+          <a:bodyPr>
+            <a:normAutofit/>
+          </a:bodyPr>
+          <a:lstStyle/>
+          <a:p>
+            <a:r>
+              <a:rPr lang="ko-KR" altLang="en-US" sz="1600" dirty="0" err="1" smtClean="0"/>
+              <a:t>새폴더</a:t>
+            </a:r>
+            <a:endParaRPr lang="en-US" altLang="ko-KR" sz="1600" dirty="0" smtClean="0"/>
+          </a:p>
+          <a:p>
+            <a:r>
+              <a:rPr lang="en-US" altLang="ko-KR" sz="1600" dirty="0" err="1" smtClean="0"/>
+              <a:t>Git</a:t>
+            </a:r>
+            <a:r>
+              <a:rPr lang="en-US" altLang="ko-KR" sz="1600" dirty="0" smtClean="0"/>
+              <a:t> clone</a:t>
+            </a:r>
+          </a:p>
+          <a:p>
+            <a:r>
+              <a:rPr lang="en-US" altLang="ko-KR" sz="1600" dirty="0" err="1" smtClean="0"/>
+              <a:t>Git</a:t>
+            </a:r>
+            <a:r>
+              <a:rPr lang="en-US" altLang="ko-KR" sz="1600" dirty="0" smtClean="0"/>
+              <a:t> pull</a:t>
+            </a:r>
+          </a:p>
+          <a:p>
+            <a:r>
+              <a:rPr lang="ko-KR" altLang="en-US" sz="1600" dirty="0" smtClean="0"/>
+              <a:t>작업 후 </a:t>
+            </a:r>
+            <a:r>
+              <a:rPr lang="en-US" altLang="ko-KR" sz="1600" dirty="0" smtClean="0"/>
+              <a:t>1</a:t>
+            </a:r>
+            <a:r>
+              <a:rPr lang="ko-KR" altLang="en-US" sz="1600" smtClean="0"/>
+              <a:t>페이지 반복 </a:t>
+            </a:r>
+            <a:endParaRPr lang="en-US" altLang="ko-KR" sz="1600" dirty="0" smtClean="0"/>
+          </a:p>
+          <a:p>
+            <a:endParaRPr lang="en-US" altLang="ko-KR" sz="1600" dirty="0" smtClean="0"/>
+          </a:p>
+          <a:p>
+            <a:endParaRPr lang="ko-KR" altLang="en-US" sz="1600" dirty="0"/>
+          </a:p>
+        </p:txBody>
+      </p:sp>
+    </p:spTree>
+    <p:extLst>
+      <p:ext uri="{BB962C8B-B14F-4D97-AF65-F5344CB8AC3E}">
+        <p14:creationId xmlns:p14="http://schemas.microsoft.com/office/powerpoint/2010/main" val="517565015"/>
       </p:ext>
     </p:extLst>
   </p:cSld>
